--- a/Team Amigos pptx.pptx
+++ b/Team Amigos pptx.pptx
@@ -227,7 +227,7 @@
           <a:p>
             <a:fld id="{EF1077DB-935E-4A0A-947A-D283B9F9F452}" type="datetimeFigureOut">
               <a:rPr lang="en-US" smtClean="0"/>
-              <a:t>7/12/2021</a:t>
+              <a:t>7/16/2021</a:t>
             </a:fld>
             <a:endParaRPr lang="en-US"/>
           </a:p>
@@ -404,7 +404,7 @@
           <a:p>
             <a:fld id="{19EDBDA2-4480-4D82-8886-1B64A7ECBBAC}" type="datetimeFigureOut">
               <a:rPr lang="en-US" noProof="0" smtClean="0"/>
-              <a:t>7/12/2021</a:t>
+              <a:t>7/16/2021</a:t>
             </a:fld>
             <a:endParaRPr lang="en-US" noProof="0" dirty="0"/>
           </a:p>
@@ -10280,7 +10280,7 @@
                 <a16:creationId xmlns:a16="http://schemas.microsoft.com/office/drawing/2014/main" id="{9CA47B37-80B0-5A4F-BDC3-DE42D5B2D34F}"/>
               </a:ext>
               <a:ext uri="{C183D7F6-B498-43B3-948B-1728B52AA6E4}">
-                <adec:decorative xmlns:adec="http://schemas.microsoft.com/office/drawing/2017/decorative" xmlns="" val="1"/>
+                <adec:decorative xmlns="" xmlns:adec="http://schemas.microsoft.com/office/drawing/2017/decorative" val="1"/>
               </a:ext>
             </a:extLst>
           </p:cNvPr>
@@ -10498,7 +10498,7 @@
                 <a16:creationId xmlns:a16="http://schemas.microsoft.com/office/drawing/2014/main" id="{1A6AC2DF-47CD-A743-A120-FBE75B801CF3}"/>
               </a:ext>
               <a:ext uri="{C183D7F6-B498-43B3-948B-1728B52AA6E4}">
-                <adec:decorative xmlns:adec="http://schemas.microsoft.com/office/drawing/2017/decorative" xmlns="" val="1"/>
+                <adec:decorative xmlns="" xmlns:adec="http://schemas.microsoft.com/office/drawing/2017/decorative" val="1"/>
               </a:ext>
             </a:extLst>
           </p:cNvPr>
@@ -10725,7 +10725,7 @@
                 <a16:creationId xmlns:a16="http://schemas.microsoft.com/office/drawing/2014/main" id="{17E0F6BC-FBF2-3048-B833-61609739028C}"/>
               </a:ext>
               <a:ext uri="{C183D7F6-B498-43B3-948B-1728B52AA6E4}">
-                <adec:decorative xmlns:adec="http://schemas.microsoft.com/office/drawing/2017/decorative" xmlns="" val="1"/>
+                <adec:decorative xmlns="" xmlns:adec="http://schemas.microsoft.com/office/drawing/2017/decorative" val="1"/>
               </a:ext>
             </a:extLst>
           </p:cNvPr>
@@ -10943,7 +10943,7 @@
                 <a16:creationId xmlns:a16="http://schemas.microsoft.com/office/drawing/2014/main" id="{D0B0310F-833E-864C-9FB7-B2B2A6714808}"/>
               </a:ext>
               <a:ext uri="{C183D7F6-B498-43B3-948B-1728B52AA6E4}">
-                <adec:decorative xmlns:adec="http://schemas.microsoft.com/office/drawing/2017/decorative" xmlns="" val="1"/>
+                <adec:decorative xmlns="" xmlns:adec="http://schemas.microsoft.com/office/drawing/2017/decorative" val="1"/>
               </a:ext>
             </a:extLst>
           </p:cNvPr>
@@ -11166,7 +11166,7 @@
                 <a16:creationId xmlns:a16="http://schemas.microsoft.com/office/drawing/2014/main" id="{F906D597-BA39-4C4D-833F-CC0EE989B51C}"/>
               </a:ext>
               <a:ext uri="{C183D7F6-B498-43B3-948B-1728B52AA6E4}">
-                <adec:decorative xmlns:adec="http://schemas.microsoft.com/office/drawing/2017/decorative" xmlns="" val="1"/>
+                <adec:decorative xmlns="" xmlns:adec="http://schemas.microsoft.com/office/drawing/2017/decorative" val="1"/>
               </a:ext>
             </a:extLst>
           </p:cNvPr>
@@ -11530,7 +11530,7 @@
                 <a16:creationId xmlns:a16="http://schemas.microsoft.com/office/drawing/2014/main" id="{7D27D67C-932D-4270-A0E5-6F1F9315A231}"/>
               </a:ext>
               <a:ext uri="{C183D7F6-B498-43B3-948B-1728B52AA6E4}">
-                <adec:decorative xmlns:adec="http://schemas.microsoft.com/office/drawing/2017/decorative" xmlns="" val="1"/>
+                <adec:decorative xmlns="" xmlns:adec="http://schemas.microsoft.com/office/drawing/2017/decorative" val="1"/>
               </a:ext>
             </a:extLst>
           </p:cNvPr>
@@ -11610,7 +11610,7 @@
                 <a16:creationId xmlns:a16="http://schemas.microsoft.com/office/drawing/2014/main" id="{C987A1EC-DB2A-4AA3-8590-C488A6082E11}"/>
               </a:ext>
               <a:ext uri="{C183D7F6-B498-43B3-948B-1728B52AA6E4}">
-                <adec:decorative xmlns:adec="http://schemas.microsoft.com/office/drawing/2017/decorative" xmlns="" val="1"/>
+                <adec:decorative xmlns="" xmlns:adec="http://schemas.microsoft.com/office/drawing/2017/decorative" val="1"/>
               </a:ext>
             </a:extLst>
           </p:cNvPr>
@@ -13376,7 +13376,7 @@
                 <a16:creationId xmlns:a16="http://schemas.microsoft.com/office/drawing/2014/main" id="{4790D010-2852-DE49-BD36-340D6725D1D5}"/>
               </a:ext>
               <a:ext uri="{C183D7F6-B498-43B3-948B-1728B52AA6E4}">
-                <adec:decorative xmlns:adec="http://schemas.microsoft.com/office/drawing/2017/decorative" xmlns="" val="1"/>
+                <adec:decorative xmlns="" xmlns:adec="http://schemas.microsoft.com/office/drawing/2017/decorative" val="1"/>
               </a:ext>
             </a:extLst>
           </p:cNvPr>
@@ -13603,7 +13603,7 @@
                 <a16:creationId xmlns:a16="http://schemas.microsoft.com/office/drawing/2014/main" id="{C5D02C68-EB7D-E044-99A9-658364A3B2F0}"/>
               </a:ext>
               <a:ext uri="{C183D7F6-B498-43B3-948B-1728B52AA6E4}">
-                <adec:decorative xmlns:adec="http://schemas.microsoft.com/office/drawing/2017/decorative" xmlns="" val="1"/>
+                <adec:decorative xmlns="" xmlns:adec="http://schemas.microsoft.com/office/drawing/2017/decorative" val="1"/>
               </a:ext>
             </a:extLst>
           </p:cNvPr>
@@ -13821,7 +13821,7 @@
                 <a16:creationId xmlns:a16="http://schemas.microsoft.com/office/drawing/2014/main" id="{45962E1D-1D13-2B48-9F3B-CE31039DD236}"/>
               </a:ext>
               <a:ext uri="{C183D7F6-B498-43B3-948B-1728B52AA6E4}">
-                <adec:decorative xmlns:adec="http://schemas.microsoft.com/office/drawing/2017/decorative" xmlns="" val="1"/>
+                <adec:decorative xmlns="" xmlns:adec="http://schemas.microsoft.com/office/drawing/2017/decorative" val="1"/>
               </a:ext>
             </a:extLst>
           </p:cNvPr>
@@ -14190,7 +14190,7 @@
                 <a16:creationId xmlns:a16="http://schemas.microsoft.com/office/drawing/2014/main" id="{B9777B06-12C0-49D3-A18F-49D1E0574CE3}"/>
               </a:ext>
               <a:ext uri="{C183D7F6-B498-43B3-948B-1728B52AA6E4}">
-                <adec:decorative xmlns:adec="http://schemas.microsoft.com/office/drawing/2017/decorative" xmlns="" val="1"/>
+                <adec:decorative xmlns="" xmlns:adec="http://schemas.microsoft.com/office/drawing/2017/decorative" val="1"/>
               </a:ext>
             </a:extLst>
           </p:cNvPr>
@@ -14308,7 +14308,7 @@
                 <a16:creationId xmlns:a16="http://schemas.microsoft.com/office/drawing/2014/main" id="{5E3B0AD5-3645-8443-891F-C0E1D9763D7A}"/>
               </a:ext>
               <a:ext uri="{C183D7F6-B498-43B3-948B-1728B52AA6E4}">
-                <adec:decorative xmlns:adec="http://schemas.microsoft.com/office/drawing/2017/decorative" xmlns="" val="1"/>
+                <adec:decorative xmlns="" xmlns:adec="http://schemas.microsoft.com/office/drawing/2017/decorative" val="1"/>
               </a:ext>
             </a:extLst>
           </p:cNvPr>
@@ -14535,7 +14535,7 @@
                 <a16:creationId xmlns:a16="http://schemas.microsoft.com/office/drawing/2014/main" id="{BE9B724A-B58C-CD4D-8980-C0DFE08B79B5}"/>
               </a:ext>
               <a:ext uri="{C183D7F6-B498-43B3-948B-1728B52AA6E4}">
-                <adec:decorative xmlns:adec="http://schemas.microsoft.com/office/drawing/2017/decorative" xmlns="" val="1"/>
+                <adec:decorative xmlns="" xmlns:adec="http://schemas.microsoft.com/office/drawing/2017/decorative" val="1"/>
               </a:ext>
             </a:extLst>
           </p:cNvPr>
@@ -14758,7 +14758,7 @@
                 <a16:creationId xmlns:a16="http://schemas.microsoft.com/office/drawing/2014/main" id="{28894D68-6E31-8646-BFD7-2C0D8C4CD961}"/>
               </a:ext>
               <a:ext uri="{C183D7F6-B498-43B3-948B-1728B52AA6E4}">
-                <adec:decorative xmlns:adec="http://schemas.microsoft.com/office/drawing/2017/decorative" xmlns="" val="1"/>
+                <adec:decorative xmlns="" xmlns:adec="http://schemas.microsoft.com/office/drawing/2017/decorative" val="1"/>
               </a:ext>
             </a:extLst>
           </p:cNvPr>
@@ -15233,7 +15233,7 @@
                 <a16:creationId xmlns:a16="http://schemas.microsoft.com/office/drawing/2014/main" id="{99D3E8CF-7C38-4321-A56A-49D7CA2A814B}"/>
               </a:ext>
               <a:ext uri="{C183D7F6-B498-43B3-948B-1728B52AA6E4}">
-                <adec:decorative xmlns:adec="http://schemas.microsoft.com/office/drawing/2017/decorative" xmlns="" val="1"/>
+                <adec:decorative xmlns="" xmlns:adec="http://schemas.microsoft.com/office/drawing/2017/decorative" val="1"/>
               </a:ext>
             </a:extLst>
           </p:cNvPr>
@@ -15313,7 +15313,7 @@
                 <a16:creationId xmlns:a16="http://schemas.microsoft.com/office/drawing/2014/main" id="{326A7FE8-1975-474D-B747-D7B028C10D81}"/>
               </a:ext>
               <a:ext uri="{C183D7F6-B498-43B3-948B-1728B52AA6E4}">
-                <adec:decorative xmlns:adec="http://schemas.microsoft.com/office/drawing/2017/decorative" xmlns="" val="1"/>
+                <adec:decorative xmlns="" xmlns:adec="http://schemas.microsoft.com/office/drawing/2017/decorative" val="1"/>
               </a:ext>
             </a:extLst>
           </p:cNvPr>
@@ -15467,7 +15467,7 @@
                 <a16:creationId xmlns:a16="http://schemas.microsoft.com/office/drawing/2014/main" id="{69D5DB0A-C96D-4B82-95B6-E7A7B8E6687B}"/>
               </a:ext>
               <a:ext uri="{C183D7F6-B498-43B3-948B-1728B52AA6E4}">
-                <adec:decorative xmlns:adec="http://schemas.microsoft.com/office/drawing/2017/decorative" xmlns="" val="1"/>
+                <adec:decorative xmlns="" xmlns:adec="http://schemas.microsoft.com/office/drawing/2017/decorative" val="1"/>
               </a:ext>
             </a:extLst>
           </p:cNvPr>
@@ -15840,7 +15840,7 @@
                 <a16:creationId xmlns:a16="http://schemas.microsoft.com/office/drawing/2014/main" id="{390CA185-E043-470F-95CF-875B2290368D}"/>
               </a:ext>
               <a:ext uri="{C183D7F6-B498-43B3-948B-1728B52AA6E4}">
-                <adec:decorative xmlns:adec="http://schemas.microsoft.com/office/drawing/2017/decorative" xmlns="" val="1"/>
+                <adec:decorative xmlns="" xmlns:adec="http://schemas.microsoft.com/office/drawing/2017/decorative" val="1"/>
               </a:ext>
             </a:extLst>
           </p:cNvPr>
@@ -16063,7 +16063,7 @@
                 <a16:creationId xmlns:a16="http://schemas.microsoft.com/office/drawing/2014/main" id="{F1A887C7-02BE-4F5E-8DCF-A46A0C58093F}"/>
               </a:ext>
               <a:ext uri="{C183D7F6-B498-43B3-948B-1728B52AA6E4}">
-                <adec:decorative xmlns:adec="http://schemas.microsoft.com/office/drawing/2017/decorative" xmlns="" val="1"/>
+                <adec:decorative xmlns="" xmlns:adec="http://schemas.microsoft.com/office/drawing/2017/decorative" val="1"/>
               </a:ext>
             </a:extLst>
           </p:cNvPr>
@@ -16281,7 +16281,7 @@
                 <a16:creationId xmlns:a16="http://schemas.microsoft.com/office/drawing/2014/main" id="{22D0F7D1-0D65-4376-B381-E7B5C5F9EA0E}"/>
               </a:ext>
               <a:ext uri="{C183D7F6-B498-43B3-948B-1728B52AA6E4}">
-                <adec:decorative xmlns:adec="http://schemas.microsoft.com/office/drawing/2017/decorative" xmlns="" val="1"/>
+                <adec:decorative xmlns="" xmlns:adec="http://schemas.microsoft.com/office/drawing/2017/decorative" val="1"/>
               </a:ext>
             </a:extLst>
           </p:cNvPr>
@@ -16508,7 +16508,7 @@
                 <a16:creationId xmlns:a16="http://schemas.microsoft.com/office/drawing/2014/main" id="{7402406B-416D-47F8-A75D-831B8879AA66}"/>
               </a:ext>
               <a:ext uri="{C183D7F6-B498-43B3-948B-1728B52AA6E4}">
-                <adec:decorative xmlns:adec="http://schemas.microsoft.com/office/drawing/2017/decorative" xmlns="" val="1"/>
+                <adec:decorative xmlns="" xmlns:adec="http://schemas.microsoft.com/office/drawing/2017/decorative" val="1"/>
               </a:ext>
             </a:extLst>
           </p:cNvPr>
@@ -16731,7 +16731,7 @@
                 <a16:creationId xmlns:a16="http://schemas.microsoft.com/office/drawing/2014/main" id="{8E1008A4-54EE-4B43-9BCF-279C5CEA2D52}"/>
               </a:ext>
               <a:ext uri="{C183D7F6-B498-43B3-948B-1728B52AA6E4}">
-                <adec:decorative xmlns:adec="http://schemas.microsoft.com/office/drawing/2017/decorative" xmlns="" val="1"/>
+                <adec:decorative xmlns="" xmlns:adec="http://schemas.microsoft.com/office/drawing/2017/decorative" val="1"/>
               </a:ext>
             </a:extLst>
           </p:cNvPr>
@@ -16811,7 +16811,7 @@
                 <a16:creationId xmlns:a16="http://schemas.microsoft.com/office/drawing/2014/main" id="{8BD3F08B-8063-4DB3-9FBB-D9B9215CBA7C}"/>
               </a:ext>
               <a:ext uri="{C183D7F6-B498-43B3-948B-1728B52AA6E4}">
-                <adec:decorative xmlns:adec="http://schemas.microsoft.com/office/drawing/2017/decorative" xmlns="" val="1"/>
+                <adec:decorative xmlns="" xmlns:adec="http://schemas.microsoft.com/office/drawing/2017/decorative" val="1"/>
               </a:ext>
             </a:extLst>
           </p:cNvPr>
@@ -20163,7 +20163,7 @@
                 <a16:creationId xmlns:a16="http://schemas.microsoft.com/office/drawing/2014/main" id="{A0B8B412-7962-44AD-8293-75C5384B789A}"/>
               </a:ext>
               <a:ext uri="{C183D7F6-B498-43B3-948B-1728B52AA6E4}">
-                <adec:decorative xmlns:adec="http://schemas.microsoft.com/office/drawing/2017/decorative" xmlns="" val="1"/>
+                <adec:decorative xmlns="" xmlns:adec="http://schemas.microsoft.com/office/drawing/2017/decorative" val="1"/>
               </a:ext>
             </a:extLst>
           </p:cNvPr>
@@ -20220,7 +20220,7 @@
                 <a16:creationId xmlns:a16="http://schemas.microsoft.com/office/drawing/2014/main" id="{33ED47D5-16A1-40D1-96F9-393B2558727A}"/>
               </a:ext>
               <a:ext uri="{C183D7F6-B498-43B3-948B-1728B52AA6E4}">
-                <adec:decorative xmlns:adec="http://schemas.microsoft.com/office/drawing/2017/decorative" xmlns="" val="1"/>
+                <adec:decorative xmlns="" xmlns:adec="http://schemas.microsoft.com/office/drawing/2017/decorative" val="1"/>
               </a:ext>
             </a:extLst>
           </p:cNvPr>
@@ -20389,7 +20389,7 @@
                 <a16:creationId xmlns:a16="http://schemas.microsoft.com/office/drawing/2014/main" id="{A185A67E-A75A-47A0-A846-3772FAE1B973}"/>
               </a:ext>
               <a:ext uri="{C183D7F6-B498-43B3-948B-1728B52AA6E4}">
-                <adec:decorative xmlns:adec="http://schemas.microsoft.com/office/drawing/2017/decorative" xmlns="" val="1"/>
+                <adec:decorative xmlns="" xmlns:adec="http://schemas.microsoft.com/office/drawing/2017/decorative" val="1"/>
               </a:ext>
             </a:extLst>
           </p:cNvPr>
@@ -20456,7 +20456,7 @@
                 <a16:creationId xmlns:a16="http://schemas.microsoft.com/office/drawing/2014/main" id="{6178E4B4-24A5-4096-A3D1-F762B1F4BDB5}"/>
               </a:ext>
               <a:ext uri="{C183D7F6-B498-43B3-948B-1728B52AA6E4}">
-                <adec:decorative xmlns:adec="http://schemas.microsoft.com/office/drawing/2017/decorative" xmlns="" val="1"/>
+                <adec:decorative xmlns="" xmlns:adec="http://schemas.microsoft.com/office/drawing/2017/decorative" val="1"/>
               </a:ext>
             </a:extLst>
           </p:cNvPr>
@@ -20621,7 +20621,7 @@
                 <a16:creationId xmlns:a16="http://schemas.microsoft.com/office/drawing/2014/main" id="{DCFF208F-FFDF-40EC-81E0-20313AC11446}"/>
               </a:ext>
               <a:ext uri="{C183D7F6-B498-43B3-948B-1728B52AA6E4}">
-                <adec:decorative xmlns:adec="http://schemas.microsoft.com/office/drawing/2017/decorative" xmlns="" val="1"/>
+                <adec:decorative xmlns="" xmlns:adec="http://schemas.microsoft.com/office/drawing/2017/decorative" val="1"/>
               </a:ext>
             </a:extLst>
           </p:cNvPr>
@@ -20750,7 +20750,7 @@
                 <a16:creationId xmlns:a16="http://schemas.microsoft.com/office/drawing/2014/main" id="{EDBD2E0D-D8D7-4940-9A82-1ACDAD327343}"/>
               </a:ext>
               <a:ext uri="{C183D7F6-B498-43B3-948B-1728B52AA6E4}">
-                <adec:decorative xmlns:adec="http://schemas.microsoft.com/office/drawing/2017/decorative" xmlns="" val="1"/>
+                <adec:decorative xmlns="" xmlns:adec="http://schemas.microsoft.com/office/drawing/2017/decorative" val="1"/>
               </a:ext>
             </a:extLst>
           </p:cNvPr>
@@ -20799,7 +20799,7 @@
                 <a16:creationId xmlns:a16="http://schemas.microsoft.com/office/drawing/2014/main" id="{26658F5F-1D95-45C0-BA5E-84A608B4A559}"/>
               </a:ext>
               <a:ext uri="{C183D7F6-B498-43B3-948B-1728B52AA6E4}">
-                <adec:decorative xmlns:adec="http://schemas.microsoft.com/office/drawing/2017/decorative" xmlns="" val="1"/>
+                <adec:decorative xmlns="" xmlns:adec="http://schemas.microsoft.com/office/drawing/2017/decorative" val="1"/>
               </a:ext>
             </a:extLst>
           </p:cNvPr>
@@ -21265,7 +21265,11 @@
           <a:p>
             <a:r>
               <a:rPr lang="bg-BG" dirty="0" smtClean="0"/>
-              <a:t>Нашият отбор</a:t>
+              <a:t>Нашият </a:t>
+            </a:r>
+            <a:r>
+              <a:rPr lang="bg-BG" dirty="0" smtClean="0"/>
+              <a:t>отбор</a:t>
             </a:r>
             <a:endParaRPr lang="en-US" dirty="0"/>
           </a:p>
@@ -21375,19 +21379,19 @@
           <a:p>
             <a:r>
               <a:rPr lang="en-US" sz="1600" dirty="0" err="1" smtClean="0"/>
-              <a:t>FrontEnd</a:t>
+              <a:t>Back</a:t>
+            </a:r>
+            <a:r>
+              <a:rPr lang="en-US" sz="1600" dirty="0" err="1" smtClean="0"/>
+              <a:t>End</a:t>
             </a:r>
             <a:r>
               <a:rPr lang="en-US" sz="1600" dirty="0" smtClean="0"/>
-              <a:t> and </a:t>
-            </a:r>
-            <a:r>
-              <a:rPr lang="en-US" sz="1600" dirty="0" err="1" smtClean="0"/>
-              <a:t>BackEnd</a:t>
+              <a:t> </a:t>
             </a:r>
             <a:r>
               <a:rPr lang="en-US" sz="1600" dirty="0" smtClean="0"/>
-              <a:t> Designer</a:t>
+              <a:t>developer and Designer</a:t>
             </a:r>
             <a:endParaRPr lang="en-US" sz="1600" dirty="0"/>
           </a:p>
@@ -21493,7 +21497,11 @@
             </a:r>
             <a:r>
               <a:rPr lang="en-US" sz="1600" dirty="0" smtClean="0"/>
-              <a:t> Designer and Scrum Trainer</a:t>
+              <a:t> Developer and </a:t>
+            </a:r>
+            <a:r>
+              <a:rPr lang="en-US" sz="1600" dirty="0" smtClean="0"/>
+              <a:t>Scrum Trainer</a:t>
             </a:r>
             <a:endParaRPr lang="en-US" sz="1600" noProof="1"/>
           </a:p>
@@ -21544,7 +21552,7 @@
                 <a16:creationId xmlns:a16="http://schemas.microsoft.com/office/drawing/2014/main" id="{0DBA899A-53BF-4DD7-9AB9-0BDD4D947230}"/>
               </a:ext>
               <a:ext uri="{C183D7F6-B498-43B3-948B-1728B52AA6E4}">
-                <adec:decorative xmlns:adec="http://schemas.microsoft.com/office/drawing/2017/decorative" xmlns="" val="1"/>
+                <adec:decorative xmlns="" xmlns:adec="http://schemas.microsoft.com/office/drawing/2017/decorative" val="1"/>
               </a:ext>
             </a:extLst>
           </p:cNvPr>
@@ -23008,7 +23016,7 @@
                 <a16:creationId xmlns:a16="http://schemas.microsoft.com/office/drawing/2014/main" id="{BE32A17F-2099-4D5E-A4EC-AADCA9D7E68D}"/>
               </a:ext>
               <a:ext uri="{C183D7F6-B498-43B3-948B-1728B52AA6E4}">
-                <adec:decorative xmlns:adec="http://schemas.microsoft.com/office/drawing/2017/decorative" xmlns="" val="1"/>
+                <adec:decorative xmlns="" xmlns:adec="http://schemas.microsoft.com/office/drawing/2017/decorative" val="1"/>
               </a:ext>
             </a:extLst>
           </p:cNvPr>
@@ -23099,7 +23107,7 @@
                 <a16:creationId xmlns:a16="http://schemas.microsoft.com/office/drawing/2014/main" id="{C1E98117-0D60-4216-A28C-2B50485615DF}"/>
               </a:ext>
               <a:ext uri="{C183D7F6-B498-43B3-948B-1728B52AA6E4}">
-                <adec:decorative xmlns:adec="http://schemas.microsoft.com/office/drawing/2017/decorative" xmlns="" val="1"/>
+                <adec:decorative xmlns="" xmlns:adec="http://schemas.microsoft.com/office/drawing/2017/decorative" val="1"/>
               </a:ext>
             </a:extLst>
           </p:cNvPr>
@@ -23148,7 +23156,7 @@
                 <a16:creationId xmlns:a16="http://schemas.microsoft.com/office/drawing/2014/main" id="{F0695CC3-3918-4156-8025-B08D8AF2466C}"/>
               </a:ext>
               <a:ext uri="{C183D7F6-B498-43B3-948B-1728B52AA6E4}">
-                <adec:decorative xmlns:adec="http://schemas.microsoft.com/office/drawing/2017/decorative" xmlns="" val="1"/>
+                <adec:decorative xmlns="" xmlns:adec="http://schemas.microsoft.com/office/drawing/2017/decorative" val="1"/>
               </a:ext>
             </a:extLst>
           </p:cNvPr>
@@ -23242,7 +23250,7 @@
                 <a16:creationId xmlns:a16="http://schemas.microsoft.com/office/drawing/2014/main" id="{C6132D90-BDAC-4073-B0E5-07A7BE48577E}"/>
               </a:ext>
               <a:ext uri="{C183D7F6-B498-43B3-948B-1728B52AA6E4}">
-                <adec:decorative xmlns:adec="http://schemas.microsoft.com/office/drawing/2017/decorative" xmlns="" val="1"/>
+                <adec:decorative xmlns="" xmlns:adec="http://schemas.microsoft.com/office/drawing/2017/decorative" val="1"/>
               </a:ext>
             </a:extLst>
           </p:cNvPr>
